--- a/Literatuurstudie/Draft_ppt.pptx
+++ b/Literatuurstudie/Draft_ppt.pptx
@@ -211,7 +211,7 @@
           <a:p>
             <a:fld id="{8F591CCF-F6FD-734B-854A-5BC033593B1E}" type="datetimeFigureOut">
               <a:rPr lang="nl-NL" smtClean="0"/>
-              <a:t>2-11-2020</a:t>
+              <a:t>3-11-2020</a:t>
             </a:fld>
             <a:endParaRPr lang="nl-NL"/>
           </a:p>
@@ -376,7 +376,7 @@
           <a:p>
             <a:fld id="{23C66214-DB21-4647-B5DA-0D17CA592867}" type="datetimeFigureOut">
               <a:rPr lang="nl-NL" smtClean="0"/>
-              <a:t>2-11-2020</a:t>
+              <a:t>3-11-2020</a:t>
             </a:fld>
             <a:endParaRPr lang="nl-NL"/>
           </a:p>
@@ -1365,7 +1365,7 @@
           <a:p>
             <a:fld id="{AC3C5412-F5E6-4727-B44A-B2B5A84DB14A}" type="datetime1">
               <a:rPr lang="nl-BE" smtClean="0"/>
-              <a:t>2/11/2020</a:t>
+              <a:t>3/11/2020</a:t>
             </a:fld>
             <a:endParaRPr lang="nl-NL"/>
           </a:p>
@@ -1648,7 +1648,7 @@
           <a:p>
             <a:fld id="{E76EA1B4-471F-4916-AE0F-2FD9B1494989}" type="datetime1">
               <a:rPr lang="nl-BE" smtClean="0"/>
-              <a:t>2/11/2020</a:t>
+              <a:t>3/11/2020</a:t>
             </a:fld>
             <a:endParaRPr lang="nl-NL"/>
           </a:p>
@@ -1978,7 +1978,7 @@
           <a:p>
             <a:fld id="{0FDEE988-C9D1-4B41-906C-78E5525EC368}" type="datetime1">
               <a:rPr lang="nl-BE" smtClean="0"/>
-              <a:t>2/11/2020</a:t>
+              <a:t>3/11/2020</a:t>
             </a:fld>
             <a:endParaRPr lang="nl-NL"/>
           </a:p>
@@ -2297,7 +2297,7 @@
           <a:p>
             <a:fld id="{A4C630F9-6046-48DD-8107-A903A5265F2A}" type="datetime1">
               <a:rPr lang="nl-BE" smtClean="0"/>
-              <a:t>2/11/2020</a:t>
+              <a:t>3/11/2020</a:t>
             </a:fld>
             <a:endParaRPr lang="nl-NL" dirty="0"/>
           </a:p>
@@ -2618,7 +2618,7 @@
           <a:p>
             <a:fld id="{AB142135-2AF6-41F5-9559-B5C94669121A}" type="datetime1">
               <a:rPr lang="nl-BE" smtClean="0"/>
-              <a:t>2/11/2020</a:t>
+              <a:t>3/11/2020</a:t>
             </a:fld>
             <a:endParaRPr lang="nl-NL" dirty="0"/>
           </a:p>
@@ -2760,7 +2760,7 @@
           <a:p>
             <a:fld id="{D7817D78-F253-471B-BF0C-B3EA74829726}" type="datetime1">
               <a:rPr lang="nl-BE" smtClean="0"/>
-              <a:t>2/11/2020</a:t>
+              <a:t>3/11/2020</a:t>
             </a:fld>
             <a:endParaRPr lang="nl-NL"/>
           </a:p>
@@ -3244,7 +3244,7 @@
           <a:p>
             <a:fld id="{94374391-CFDB-4833-B504-DEFBE92512D1}" type="datetime1">
               <a:rPr lang="nl-BE" smtClean="0"/>
-              <a:t>2/11/2020</a:t>
+              <a:t>3/11/2020</a:t>
             </a:fld>
             <a:endParaRPr lang="nl-NL" dirty="0"/>
           </a:p>
@@ -3365,7 +3365,7 @@
           <a:p>
             <a:fld id="{D41C31F0-2B75-48AE-AEBC-9657DD1B0AB7}" type="datetime1">
               <a:rPr lang="nl-BE" smtClean="0"/>
-              <a:t>2/11/2020</a:t>
+              <a:t>3/11/2020</a:t>
             </a:fld>
             <a:endParaRPr lang="nl-NL"/>
           </a:p>
@@ -3486,7 +3486,7 @@
           <a:p>
             <a:fld id="{53F19495-32E9-486F-877E-DF8DCF8228E7}" type="datetime1">
               <a:rPr lang="nl-BE" smtClean="0"/>
-              <a:t>2/11/2020</a:t>
+              <a:t>3/11/2020</a:t>
             </a:fld>
             <a:endParaRPr lang="nl-NL"/>
           </a:p>
@@ -3668,7 +3668,7 @@
           <a:p>
             <a:fld id="{804A002D-00A0-4BF6-93D8-8D999BC8C748}" type="datetime1">
               <a:rPr lang="nl-BE" smtClean="0"/>
-              <a:t>2/11/2020</a:t>
+              <a:t>3/11/2020</a:t>
             </a:fld>
             <a:endParaRPr lang="nl-NL" dirty="0"/>
           </a:p>
@@ -3952,7 +3952,7 @@
           <a:p>
             <a:fld id="{75FF7ED8-F103-41E3-857E-CDC769C97DAE}" type="datetime1">
               <a:rPr lang="nl-BE" smtClean="0"/>
-              <a:t>2/11/2020</a:t>
+              <a:t>3/11/2020</a:t>
             </a:fld>
             <a:endParaRPr lang="nl-NL" dirty="0"/>
           </a:p>
@@ -4593,7 +4593,7 @@
           <a:p>
             <a:fld id="{9F542F44-42ED-4221-90FD-ACE0C331DBA2}" type="datetime1">
               <a:rPr lang="nl-BE" smtClean="0"/>
-              <a:t>2/11/2020</a:t>
+              <a:t>3/11/2020</a:t>
             </a:fld>
             <a:endParaRPr lang="nl-NL" dirty="0"/>
           </a:p>
@@ -6132,8 +6132,8 @@
           </a:extLst>
         </p:spPr>
       </p:pic>
-      <mc:AlternateContent xmlns:mc="http://schemas.openxmlformats.org/markup-compatibility/2006">
-        <mc:Choice xmlns:a14="http://schemas.microsoft.com/office/drawing/2010/main" Requires="a14">
+      <mc:AlternateContent xmlns:mc="http://schemas.openxmlformats.org/markup-compatibility/2006" xmlns:a14="http://schemas.microsoft.com/office/drawing/2010/main">
+        <mc:Choice Requires="a14">
           <p:sp>
             <p:nvSpPr>
               <p:cNvPr id="17" name="Tekstvak 16">
@@ -6183,7 +6183,7 @@
             </p:txBody>
           </p:sp>
         </mc:Choice>
-        <mc:Fallback>
+        <mc:Fallback xmlns="">
           <p:sp>
             <p:nvSpPr>
               <p:cNvPr id="17" name="Tekstvak 16">
@@ -6228,8 +6228,8 @@
           </p:sp>
         </mc:Fallback>
       </mc:AlternateContent>
-      <mc:AlternateContent xmlns:mc="http://schemas.openxmlformats.org/markup-compatibility/2006">
-        <mc:Choice xmlns:a14="http://schemas.microsoft.com/office/drawing/2010/main" Requires="a14">
+      <mc:AlternateContent xmlns:mc="http://schemas.openxmlformats.org/markup-compatibility/2006" xmlns:a14="http://schemas.microsoft.com/office/drawing/2010/main">
+        <mc:Choice Requires="a14">
           <p:sp>
             <p:nvSpPr>
               <p:cNvPr id="19" name="Tekstvak 18">
@@ -6327,7 +6327,7 @@
             </p:txBody>
           </p:sp>
         </mc:Choice>
-        <mc:Fallback>
+        <mc:Fallback xmlns="">
           <p:sp>
             <p:nvSpPr>
               <p:cNvPr id="19" name="Tekstvak 18">
@@ -6516,8 +6516,8 @@
           </a:fontRef>
         </p:style>
       </p:cxnSp>
-      <mc:AlternateContent xmlns:mc="http://schemas.openxmlformats.org/markup-compatibility/2006">
-        <mc:Choice xmlns:a14="http://schemas.microsoft.com/office/drawing/2010/main" Requires="a14">
+      <mc:AlternateContent xmlns:mc="http://schemas.openxmlformats.org/markup-compatibility/2006" xmlns:a14="http://schemas.microsoft.com/office/drawing/2010/main">
+        <mc:Choice Requires="a14">
           <p:sp>
             <p:nvSpPr>
               <p:cNvPr id="32" name="Tekstvak 31">
@@ -6662,7 +6662,7 @@
             </p:txBody>
           </p:sp>
         </mc:Choice>
-        <mc:Fallback>
+        <mc:Fallback xmlns="">
           <p:sp>
             <p:nvSpPr>
               <p:cNvPr id="32" name="Tekstvak 31">
@@ -6707,8 +6707,8 @@
           </p:sp>
         </mc:Fallback>
       </mc:AlternateContent>
-      <mc:AlternateContent xmlns:mc="http://schemas.openxmlformats.org/markup-compatibility/2006">
-        <mc:Choice xmlns:a14="http://schemas.microsoft.com/office/drawing/2010/main" Requires="a14">
+      <mc:AlternateContent xmlns:mc="http://schemas.openxmlformats.org/markup-compatibility/2006" xmlns:a14="http://schemas.microsoft.com/office/drawing/2010/main">
+        <mc:Choice Requires="a14">
           <p:sp>
             <p:nvSpPr>
               <p:cNvPr id="38" name="Tekstvak 37">
@@ -6737,7 +6737,6 @@
               </a:bodyPr>
               <a:lstStyle/>
               <a:p>
-                <a:pPr/>
                 <a14:m>
                   <m:oMath xmlns:m="http://schemas.openxmlformats.org/officeDocument/2006/math">
                     <m:r>
@@ -6921,7 +6920,7 @@
             </p:txBody>
           </p:sp>
         </mc:Choice>
-        <mc:Fallback>
+        <mc:Fallback xmlns="">
           <p:sp>
             <p:nvSpPr>
               <p:cNvPr id="38" name="Tekstvak 37">
@@ -7044,8 +7043,8 @@
           <a:chExt cx="0" cy="0"/>
         </a:xfrm>
       </p:grpSpPr>
-      <mc:AlternateContent xmlns:mc="http://schemas.openxmlformats.org/markup-compatibility/2006">
-        <mc:Choice xmlns:a14="http://schemas.microsoft.com/office/drawing/2010/main" Requires="a14">
+      <mc:AlternateContent xmlns:mc="http://schemas.openxmlformats.org/markup-compatibility/2006" xmlns:a14="http://schemas.microsoft.com/office/drawing/2010/main">
+        <mc:Choice Requires="a14">
           <p:sp>
             <p:nvSpPr>
               <p:cNvPr id="2" name="Tijdelijke aanduiding voor inhoud 1">
@@ -7264,7 +7263,7 @@
             </p:txBody>
           </p:sp>
         </mc:Choice>
-        <mc:Fallback>
+        <mc:Fallback xmlns="">
           <p:sp>
             <p:nvSpPr>
               <p:cNvPr id="2" name="Tijdelijke aanduiding voor inhoud 1">
@@ -7932,7 +7931,14 @@
                         <a:latin typeface="Cambria Math" panose="02040503050406030204" pitchFamily="18" charset="0"/>
                         <a:ea typeface="Cambria Math" panose="02040503050406030204" pitchFamily="18" charset="0"/>
                       </a:rPr>
-                      <m:t> − </m:t>
+                      <m:t>+</m:t>
+                    </m:r>
+                    <m:r>
+                      <a:rPr lang="nl-BE" b="0" i="1" smtClean="0">
+                        <a:latin typeface="Cambria Math" panose="02040503050406030204" pitchFamily="18" charset="0"/>
+                        <a:ea typeface="Cambria Math" panose="02040503050406030204" pitchFamily="18" charset="0"/>
+                      </a:rPr>
+                      <m:t> </m:t>
                     </m:r>
                     <m:r>
                       <a:rPr lang="nl-BE" b="0" i="1" smtClean="0">
@@ -7997,7 +8003,7 @@
                             <a:latin typeface="Cambria Math" panose="02040503050406030204" pitchFamily="18" charset="0"/>
                             <a:ea typeface="Cambria Math" panose="02040503050406030204" pitchFamily="18" charset="0"/>
                           </a:rPr>
-                          <m:t>,</m:t>
+                          <m:t>|</m:t>
                         </m:r>
                         <m:r>
                           <a:rPr lang="nl-BE" b="0" i="1" smtClean="0">
@@ -8346,6 +8352,34 @@
                     </a:highlight>
                   </a:rPr>
                   <a:t>Voordelen?</a:t>
+                </a:r>
+              </a:p>
+              <a:p>
+                <a:pPr marL="914400" lvl="1" indent="-457200">
+                  <a:buFont typeface="+mj-lt"/>
+                  <a:buAutoNum type="arabicPeriod"/>
+                </a:pPr>
+                <a:r>
+                  <a:rPr lang="nl-BE" dirty="0">
+                    <a:highlight>
+                      <a:srgbClr val="FFFF00"/>
+                    </a:highlight>
+                  </a:rPr>
+                  <a:t>Onzekerheidskwantificatie</a:t>
+                </a:r>
+              </a:p>
+              <a:p>
+                <a:pPr marL="914400" lvl="1" indent="-457200">
+                  <a:buFont typeface="+mj-lt"/>
+                  <a:buAutoNum type="arabicPeriod"/>
+                </a:pPr>
+                <a:r>
+                  <a:rPr lang="nl-BE" dirty="0">
+                    <a:highlight>
+                      <a:srgbClr val="FFFF00"/>
+                    </a:highlight>
+                  </a:rPr>
+                  <a:t>Active Learning</a:t>
                 </a:r>
               </a:p>
               <a:p>
